--- a/Project_1_Mental health in Tech.pptx
+++ b/Project_1_Mental health in Tech.pptx
@@ -106,7 +106,41 @@
       </a:defRPr>
     </a:lvl9pPr>
   </p:defaultTextStyle>
+  <p:extLst>
+    <p:ext uri="{EFAFB233-063F-42B5-8137-9DF3F51BA10A}">
+      <p15:sldGuideLst xmlns:p15="http://schemas.microsoft.com/office/powerpoint/2012/main"/>
+    </p:ext>
+  </p:extLst>
 </p:presentation>
+</file>
+
+<file path=ppt/changesInfos/changesInfo1.xml><?xml version="1.0" encoding="utf-8"?>
+<pc:chgInfo xmlns:a="http://schemas.openxmlformats.org/drawingml/2006/main" xmlns:r="http://schemas.openxmlformats.org/officeDocument/2006/relationships" xmlns:ac="http://schemas.microsoft.com/office/drawing/2013/main/command" xmlns:pc="http://schemas.microsoft.com/office/powerpoint/2013/main/command">
+  <pc:docChgLst>
+    <pc:chgData name="keegan nair" userId="402a502642110a3f" providerId="LiveId" clId="{FB41F759-E42D-4E2A-BBA8-806EB87E1DB2}"/>
+    <pc:docChg chg="undo custSel modSld">
+      <pc:chgData name="keegan nair" userId="402a502642110a3f" providerId="LiveId" clId="{FB41F759-E42D-4E2A-BBA8-806EB87E1DB2}" dt="2024-10-07T08:08:38.900" v="3"/>
+      <pc:docMkLst>
+        <pc:docMk/>
+      </pc:docMkLst>
+      <pc:sldChg chg="modSp mod">
+        <pc:chgData name="keegan nair" userId="402a502642110a3f" providerId="LiveId" clId="{FB41F759-E42D-4E2A-BBA8-806EB87E1DB2}" dt="2024-10-07T08:08:38.900" v="3"/>
+        <pc:sldMkLst>
+          <pc:docMk/>
+          <pc:sldMk cId="864538807" sldId="257"/>
+        </pc:sldMkLst>
+        <pc:spChg chg="mod">
+          <ac:chgData name="keegan nair" userId="402a502642110a3f" providerId="LiveId" clId="{FB41F759-E42D-4E2A-BBA8-806EB87E1DB2}" dt="2024-10-07T08:08:38.900" v="3"/>
+          <ac:spMkLst>
+            <pc:docMk/>
+            <pc:sldMk cId="864538807" sldId="257"/>
+            <ac:spMk id="3" creationId="{37F6CF45-598D-7541-5FEE-F5AC18968E1D}"/>
+          </ac:spMkLst>
+        </pc:spChg>
+      </pc:sldChg>
+    </pc:docChg>
+  </pc:docChgLst>
+</pc:chgInfo>
 </file>
 
 <file path=ppt/slideLayouts/slideLayout1.xml><?xml version="1.0" encoding="utf-8"?>
@@ -271,7 +305,7 @@
           <a:p>
             <a:fld id="{E6171E64-FE02-4DE5-B72F-53C3706641C3}" type="datetimeFigureOut">
               <a:rPr lang="en-US" smtClean="0"/>
-              <a:t>10/5/24</a:t>
+              <a:t>10/7/2024</a:t>
             </a:fld>
             <a:endParaRPr lang="en-US"/>
           </a:p>
@@ -658,7 +692,7 @@
           <a:p>
             <a:fld id="{E6171E64-FE02-4DE5-B72F-53C3706641C3}" type="datetimeFigureOut">
               <a:rPr lang="en-US" smtClean="0"/>
-              <a:t>10/5/24</a:t>
+              <a:t>10/7/2024</a:t>
             </a:fld>
             <a:endParaRPr lang="en-US"/>
           </a:p>
@@ -1051,7 +1085,7 @@
           <a:p>
             <a:fld id="{E6171E64-FE02-4DE5-B72F-53C3706641C3}" type="datetimeFigureOut">
               <a:rPr lang="en-US" smtClean="0"/>
-              <a:t>10/5/24</a:t>
+              <a:t>10/7/2024</a:t>
             </a:fld>
             <a:endParaRPr lang="en-US"/>
           </a:p>
@@ -1466,7 +1500,7 @@
           <a:p>
             <a:fld id="{E6171E64-FE02-4DE5-B72F-53C3706641C3}" type="datetimeFigureOut">
               <a:rPr lang="en-US" smtClean="0"/>
-              <a:t>10/5/24</a:t>
+              <a:t>10/7/2024</a:t>
             </a:fld>
             <a:endParaRPr lang="en-US"/>
           </a:p>
@@ -1808,7 +1842,7 @@
           <a:p>
             <a:fld id="{E6171E64-FE02-4DE5-B72F-53C3706641C3}" type="datetimeFigureOut">
               <a:rPr lang="en-US" smtClean="0"/>
-              <a:t>10/5/24</a:t>
+              <a:t>10/7/2024</a:t>
             </a:fld>
             <a:endParaRPr lang="en-US"/>
           </a:p>
@@ -2132,7 +2166,7 @@
           <a:p>
             <a:fld id="{E6171E64-FE02-4DE5-B72F-53C3706641C3}" type="datetimeFigureOut">
               <a:rPr lang="en-US" smtClean="0"/>
-              <a:t>10/5/24</a:t>
+              <a:t>10/7/2024</a:t>
             </a:fld>
             <a:endParaRPr lang="en-US"/>
           </a:p>
@@ -2613,7 +2647,7 @@
           <a:p>
             <a:fld id="{E6171E64-FE02-4DE5-B72F-53C3706641C3}" type="datetimeFigureOut">
               <a:rPr lang="en-US" smtClean="0"/>
-              <a:t>10/5/24</a:t>
+              <a:t>10/7/2024</a:t>
             </a:fld>
             <a:endParaRPr lang="en-US"/>
           </a:p>
@@ -2775,7 +2809,7 @@
           <a:p>
             <a:fld id="{E6171E64-FE02-4DE5-B72F-53C3706641C3}" type="datetimeFigureOut">
               <a:rPr lang="en-US" smtClean="0"/>
-              <a:t>10/5/24</a:t>
+              <a:t>10/7/2024</a:t>
             </a:fld>
             <a:endParaRPr lang="en-US"/>
           </a:p>
@@ -2888,7 +2922,7 @@
           <a:p>
             <a:fld id="{E6171E64-FE02-4DE5-B72F-53C3706641C3}" type="datetimeFigureOut">
               <a:rPr lang="en-US" smtClean="0"/>
-              <a:t>10/5/24</a:t>
+              <a:t>10/7/2024</a:t>
             </a:fld>
             <a:endParaRPr lang="en-US"/>
           </a:p>
@@ -3210,7 +3244,7 @@
           <a:p>
             <a:fld id="{E6171E64-FE02-4DE5-B72F-53C3706641C3}" type="datetimeFigureOut">
               <a:rPr lang="en-US" smtClean="0"/>
-              <a:t>10/5/24</a:t>
+              <a:t>10/7/2024</a:t>
             </a:fld>
             <a:endParaRPr lang="en-US"/>
           </a:p>
@@ -3512,7 +3546,7 @@
           <a:p>
             <a:fld id="{E6171E64-FE02-4DE5-B72F-53C3706641C3}" type="datetimeFigureOut">
               <a:rPr lang="en-US" smtClean="0"/>
-              <a:t>10/5/24</a:t>
+              <a:t>10/7/2024</a:t>
             </a:fld>
             <a:endParaRPr lang="en-US"/>
           </a:p>
@@ -3753,7 +3787,7 @@
           <a:p>
             <a:fld id="{E6171E64-FE02-4DE5-B72F-53C3706641C3}" type="datetimeFigureOut">
               <a:rPr lang="en-US" smtClean="0"/>
-              <a:t>10/5/24</a:t>
+              <a:t>10/7/2024</a:t>
             </a:fld>
             <a:endParaRPr lang="en-US"/>
           </a:p>
